--- a/CPP(2~12)/03_CPP_반복문,함수.pptx
+++ b/CPP(2~12)/03_CPP_반복문,함수.pptx
@@ -219,7 +219,7 @@
           <a:p>
             <a:fld id="{2229C11E-4EF0-425E-89BA-56B170901842}" type="datetimeFigureOut">
               <a:rPr lang="ko-KR" altLang="en-US" smtClean="0"/>
-              <a:t>2023-08-30</a:t>
+              <a:t>2024-01-22</a:t>
             </a:fld>
             <a:endParaRPr lang="ko-KR" altLang="en-US"/>
           </a:p>
@@ -1484,7 +1484,7 @@
           <a:p>
             <a:fld id="{9C6F2426-F011-4048-96E6-328581C59A1B}" type="datetimeFigureOut">
               <a:rPr lang="ko-KR" altLang="en-US" smtClean="0"/>
-              <a:t>2023-08-30</a:t>
+              <a:t>2024-01-22</a:t>
             </a:fld>
             <a:endParaRPr lang="ko-KR" altLang="en-US"/>
           </a:p>
@@ -1682,7 +1682,7 @@
           <a:p>
             <a:fld id="{9C6F2426-F011-4048-96E6-328581C59A1B}" type="datetimeFigureOut">
               <a:rPr lang="ko-KR" altLang="en-US" smtClean="0"/>
-              <a:t>2023-08-30</a:t>
+              <a:t>2024-01-22</a:t>
             </a:fld>
             <a:endParaRPr lang="ko-KR" altLang="en-US"/>
           </a:p>
@@ -1890,7 +1890,7 @@
           <a:p>
             <a:fld id="{9C6F2426-F011-4048-96E6-328581C59A1B}" type="datetimeFigureOut">
               <a:rPr lang="ko-KR" altLang="en-US" smtClean="0"/>
-              <a:t>2023-08-30</a:t>
+              <a:t>2024-01-22</a:t>
             </a:fld>
             <a:endParaRPr lang="ko-KR" altLang="en-US"/>
           </a:p>
@@ -2088,7 +2088,7 @@
           <a:p>
             <a:fld id="{9C6F2426-F011-4048-96E6-328581C59A1B}" type="datetimeFigureOut">
               <a:rPr lang="ko-KR" altLang="en-US" smtClean="0"/>
-              <a:t>2023-08-30</a:t>
+              <a:t>2024-01-22</a:t>
             </a:fld>
             <a:endParaRPr lang="ko-KR" altLang="en-US"/>
           </a:p>
@@ -2363,7 +2363,7 @@
           <a:p>
             <a:fld id="{9C6F2426-F011-4048-96E6-328581C59A1B}" type="datetimeFigureOut">
               <a:rPr lang="ko-KR" altLang="en-US" smtClean="0"/>
-              <a:t>2023-08-30</a:t>
+              <a:t>2024-01-22</a:t>
             </a:fld>
             <a:endParaRPr lang="ko-KR" altLang="en-US"/>
           </a:p>
@@ -2628,7 +2628,7 @@
           <a:p>
             <a:fld id="{9C6F2426-F011-4048-96E6-328581C59A1B}" type="datetimeFigureOut">
               <a:rPr lang="ko-KR" altLang="en-US" smtClean="0"/>
-              <a:t>2023-08-30</a:t>
+              <a:t>2024-01-22</a:t>
             </a:fld>
             <a:endParaRPr lang="ko-KR" altLang="en-US"/>
           </a:p>
@@ -3040,7 +3040,7 @@
           <a:p>
             <a:fld id="{9C6F2426-F011-4048-96E6-328581C59A1B}" type="datetimeFigureOut">
               <a:rPr lang="ko-KR" altLang="en-US" smtClean="0"/>
-              <a:t>2023-08-30</a:t>
+              <a:t>2024-01-22</a:t>
             </a:fld>
             <a:endParaRPr lang="ko-KR" altLang="en-US"/>
           </a:p>
@@ -3181,7 +3181,7 @@
           <a:p>
             <a:fld id="{9C6F2426-F011-4048-96E6-328581C59A1B}" type="datetimeFigureOut">
               <a:rPr lang="ko-KR" altLang="en-US" smtClean="0"/>
-              <a:t>2023-08-30</a:t>
+              <a:t>2024-01-22</a:t>
             </a:fld>
             <a:endParaRPr lang="ko-KR" altLang="en-US"/>
           </a:p>
@@ -3294,7 +3294,7 @@
           <a:p>
             <a:fld id="{9C6F2426-F011-4048-96E6-328581C59A1B}" type="datetimeFigureOut">
               <a:rPr lang="ko-KR" altLang="en-US" smtClean="0"/>
-              <a:t>2023-08-30</a:t>
+              <a:t>2024-01-22</a:t>
             </a:fld>
             <a:endParaRPr lang="ko-KR" altLang="en-US"/>
           </a:p>
@@ -3605,7 +3605,7 @@
           <a:p>
             <a:fld id="{9C6F2426-F011-4048-96E6-328581C59A1B}" type="datetimeFigureOut">
               <a:rPr lang="ko-KR" altLang="en-US" smtClean="0"/>
-              <a:t>2023-08-30</a:t>
+              <a:t>2024-01-22</a:t>
             </a:fld>
             <a:endParaRPr lang="ko-KR" altLang="en-US"/>
           </a:p>
@@ -3893,7 +3893,7 @@
           <a:p>
             <a:fld id="{9C6F2426-F011-4048-96E6-328581C59A1B}" type="datetimeFigureOut">
               <a:rPr lang="ko-KR" altLang="en-US" smtClean="0"/>
-              <a:t>2023-08-30</a:t>
+              <a:t>2024-01-22</a:t>
             </a:fld>
             <a:endParaRPr lang="ko-KR" altLang="en-US"/>
           </a:p>
@@ -4134,7 +4134,7 @@
           <a:p>
             <a:fld id="{9C6F2426-F011-4048-96E6-328581C59A1B}" type="datetimeFigureOut">
               <a:rPr lang="ko-KR" altLang="en-US" smtClean="0"/>
-              <a:t>2023-08-30</a:t>
+              <a:t>2024-01-22</a:t>
             </a:fld>
             <a:endParaRPr lang="ko-KR" altLang="en-US"/>
           </a:p>
@@ -4585,17 +4585,20 @@
               <a:t>스마트 팩토리 </a:t>
             </a:r>
             <a:r>
-              <a:rPr lang="en-US" altLang="ko-KR" b="1" dirty="0">
+              <a:rPr lang="en-US" altLang="ko-KR" b="1">
                 <a:latin typeface="Arial Rounded MT Bold" panose="020F0704030504030204" pitchFamily="34" charset="0"/>
               </a:rPr>
-              <a:t>3</a:t>
-            </a:r>
-            <a:r>
-              <a:rPr lang="ko-KR" altLang="en-US" b="1" dirty="0">
+              <a:t>4</a:t>
+            </a:r>
+            <a:r>
+              <a:rPr lang="ko-KR" altLang="en-US" b="1">
                 <a:latin typeface="Arial Rounded MT Bold" panose="020F0704030504030204" pitchFamily="34" charset="0"/>
               </a:rPr>
               <a:t>기</a:t>
             </a:r>
+            <a:endParaRPr lang="ko-KR" altLang="en-US" b="1" dirty="0">
+              <a:latin typeface="Arial Rounded MT Bold" panose="020F0704030504030204" pitchFamily="34" charset="0"/>
+            </a:endParaRPr>
           </a:p>
         </p:txBody>
       </p:sp>
@@ -14940,7 +14943,7 @@
     </a:clrScheme>
     <a:fontScheme name="Office">
       <a:majorFont>
-        <a:latin typeface="맑은 고딕" panose="020F0302020204030204"/>
+        <a:latin typeface="맑은 고딕" panose="02110004020202020204"/>
         <a:ea typeface=""/>
         <a:cs typeface=""/>
         <a:font script="Jpan" typeface="游ゴシック Light"/>
@@ -14992,7 +14995,7 @@
         <a:font script="Tfng" typeface="Ebrima"/>
       </a:majorFont>
       <a:minorFont>
-        <a:latin typeface="맑은 고딕" panose="020F0502020204030204"/>
+        <a:latin typeface="맑은 고딕" panose="02110004020202020204"/>
         <a:ea typeface=""/>
         <a:cs typeface=""/>
         <a:font script="Jpan" typeface="游ゴシック"/>
